--- a/Daily Agendas/Day3.2_Programming3.pptx
+++ b/Daily Agendas/Day3.2_Programming3.pptx
@@ -3088,10 +3088,6 @@
               <a:rPr lang="en-US" dirty="0" smtClean="0"/>
               <a:t>18</a:t>
             </a:r>
-            <a:r>
-              <a:rPr lang="en-US" dirty="0" smtClean="0"/>
-              <a:t/>
-            </a:r>
             <a:br>
               <a:rPr lang="en-US" dirty="0" smtClean="0"/>
             </a:br>
@@ -3350,7 +3346,6 @@
               <a:rPr lang="en-CA" dirty="0" smtClean="0"/>
               <a:t>)</a:t>
             </a:r>
-            <a:endParaRPr lang="en-CA" dirty="0" smtClean="0"/>
           </a:p>
           <a:p>
             <a:pPr lvl="2"/>
@@ -3358,7 +3353,6 @@
               <a:rPr lang="en-CA" dirty="0" smtClean="0"/>
               <a:t>Mod B.1 Java SWT Basics (Eclipse Juno)</a:t>
             </a:r>
-            <a:endParaRPr lang="en-CA" dirty="0" smtClean="0"/>
           </a:p>
           <a:p>
             <a:pPr lvl="2"/>
